--- a/Data Analysis in Python.pptx
+++ b/Data Analysis in Python.pptx
@@ -319,7 +319,7 @@
           <a:p>
             <a:fld id="{C86AD422-795C-4CC5-B29D-5DB7EC69ED04}" type="datetimeFigureOut">
               <a:rPr lang="th-TH" smtClean="0"/>
-              <a:t>15/08/62</a:t>
+              <a:t>18/08/62</a:t>
             </a:fld>
             <a:endParaRPr lang="th-TH"/>
           </a:p>
@@ -617,7 +617,7 @@
           <a:p>
             <a:fld id="{C86AD422-795C-4CC5-B29D-5DB7EC69ED04}" type="datetimeFigureOut">
               <a:rPr lang="th-TH" smtClean="0"/>
-              <a:t>15/08/62</a:t>
+              <a:t>18/08/62</a:t>
             </a:fld>
             <a:endParaRPr lang="th-TH"/>
           </a:p>
@@ -809,7 +809,7 @@
           <a:p>
             <a:fld id="{C86AD422-795C-4CC5-B29D-5DB7EC69ED04}" type="datetimeFigureOut">
               <a:rPr lang="th-TH" smtClean="0"/>
-              <a:t>15/08/62</a:t>
+              <a:t>18/08/62</a:t>
             </a:fld>
             <a:endParaRPr lang="th-TH"/>
           </a:p>
@@ -1070,7 +1070,7 @@
           <a:p>
             <a:fld id="{C86AD422-795C-4CC5-B29D-5DB7EC69ED04}" type="datetimeFigureOut">
               <a:rPr lang="th-TH" smtClean="0"/>
-              <a:t>15/08/62</a:t>
+              <a:t>18/08/62</a:t>
             </a:fld>
             <a:endParaRPr lang="th-TH"/>
           </a:p>
@@ -1494,7 +1494,7 @@
           <a:p>
             <a:fld id="{C86AD422-795C-4CC5-B29D-5DB7EC69ED04}" type="datetimeFigureOut">
               <a:rPr lang="th-TH" smtClean="0"/>
-              <a:t>15/08/62</a:t>
+              <a:t>18/08/62</a:t>
             </a:fld>
             <a:endParaRPr lang="th-TH"/>
           </a:p>
@@ -2031,7 +2031,7 @@
           <a:p>
             <a:fld id="{C86AD422-795C-4CC5-B29D-5DB7EC69ED04}" type="datetimeFigureOut">
               <a:rPr lang="th-TH" smtClean="0"/>
-              <a:t>15/08/62</a:t>
+              <a:t>18/08/62</a:t>
             </a:fld>
             <a:endParaRPr lang="th-TH"/>
           </a:p>
@@ -2895,7 +2895,7 @@
           <a:p>
             <a:fld id="{C86AD422-795C-4CC5-B29D-5DB7EC69ED04}" type="datetimeFigureOut">
               <a:rPr lang="th-TH" smtClean="0"/>
-              <a:t>15/08/62</a:t>
+              <a:t>18/08/62</a:t>
             </a:fld>
             <a:endParaRPr lang="th-TH"/>
           </a:p>
@@ -3065,7 +3065,7 @@
           <a:p>
             <a:fld id="{C86AD422-795C-4CC5-B29D-5DB7EC69ED04}" type="datetimeFigureOut">
               <a:rPr lang="th-TH" smtClean="0"/>
-              <a:t>15/08/62</a:t>
+              <a:t>18/08/62</a:t>
             </a:fld>
             <a:endParaRPr lang="th-TH"/>
           </a:p>
@@ -3249,7 +3249,7 @@
           <a:p>
             <a:fld id="{C86AD422-795C-4CC5-B29D-5DB7EC69ED04}" type="datetimeFigureOut">
               <a:rPr lang="th-TH" smtClean="0"/>
-              <a:t>15/08/62</a:t>
+              <a:t>18/08/62</a:t>
             </a:fld>
             <a:endParaRPr lang="th-TH"/>
           </a:p>
@@ -3419,7 +3419,7 @@
           <a:p>
             <a:fld id="{C86AD422-795C-4CC5-B29D-5DB7EC69ED04}" type="datetimeFigureOut">
               <a:rPr lang="th-TH" smtClean="0"/>
-              <a:t>15/08/62</a:t>
+              <a:t>18/08/62</a:t>
             </a:fld>
             <a:endParaRPr lang="th-TH"/>
           </a:p>
@@ -3663,7 +3663,7 @@
           <a:p>
             <a:fld id="{C86AD422-795C-4CC5-B29D-5DB7EC69ED04}" type="datetimeFigureOut">
               <a:rPr lang="th-TH" smtClean="0"/>
-              <a:t>15/08/62</a:t>
+              <a:t>18/08/62</a:t>
             </a:fld>
             <a:endParaRPr lang="th-TH"/>
           </a:p>
@@ -3899,7 +3899,7 @@
           <a:p>
             <a:fld id="{C86AD422-795C-4CC5-B29D-5DB7EC69ED04}" type="datetimeFigureOut">
               <a:rPr lang="th-TH" smtClean="0"/>
-              <a:t>15/08/62</a:t>
+              <a:t>18/08/62</a:t>
             </a:fld>
             <a:endParaRPr lang="th-TH"/>
           </a:p>
@@ -4365,7 +4365,7 @@
           <a:p>
             <a:fld id="{C86AD422-795C-4CC5-B29D-5DB7EC69ED04}" type="datetimeFigureOut">
               <a:rPr lang="th-TH" smtClean="0"/>
-              <a:t>15/08/62</a:t>
+              <a:t>18/08/62</a:t>
             </a:fld>
             <a:endParaRPr lang="th-TH"/>
           </a:p>
@@ -4483,7 +4483,7 @@
           <a:p>
             <a:fld id="{C86AD422-795C-4CC5-B29D-5DB7EC69ED04}" type="datetimeFigureOut">
               <a:rPr lang="th-TH" smtClean="0"/>
-              <a:t>15/08/62</a:t>
+              <a:t>18/08/62</a:t>
             </a:fld>
             <a:endParaRPr lang="th-TH"/>
           </a:p>
@@ -4578,7 +4578,7 @@
           <a:p>
             <a:fld id="{C86AD422-795C-4CC5-B29D-5DB7EC69ED04}" type="datetimeFigureOut">
               <a:rPr lang="th-TH" smtClean="0"/>
-              <a:t>15/08/62</a:t>
+              <a:t>18/08/62</a:t>
             </a:fld>
             <a:endParaRPr lang="th-TH"/>
           </a:p>
@@ -4833,7 +4833,7 @@
           <a:p>
             <a:fld id="{C86AD422-795C-4CC5-B29D-5DB7EC69ED04}" type="datetimeFigureOut">
               <a:rPr lang="th-TH" smtClean="0"/>
-              <a:t>15/08/62</a:t>
+              <a:t>18/08/62</a:t>
             </a:fld>
             <a:endParaRPr lang="th-TH"/>
           </a:p>
@@ -5133,7 +5133,7 @@
           <a:p>
             <a:fld id="{C86AD422-795C-4CC5-B29D-5DB7EC69ED04}" type="datetimeFigureOut">
               <a:rPr lang="th-TH" smtClean="0"/>
-              <a:t>15/08/62</a:t>
+              <a:t>18/08/62</a:t>
             </a:fld>
             <a:endParaRPr lang="th-TH"/>
           </a:p>
@@ -5367,7 +5367,7 @@
           <a:p>
             <a:fld id="{C86AD422-795C-4CC5-B29D-5DB7EC69ED04}" type="datetimeFigureOut">
               <a:rPr lang="th-TH" smtClean="0"/>
-              <a:t>15/08/62</a:t>
+              <a:t>18/08/62</a:t>
             </a:fld>
             <a:endParaRPr lang="th-TH"/>
           </a:p>
@@ -8529,7 +8529,7 @@
         <p:spPr/>
         <p:txBody>
           <a:bodyPr>
-            <a:normAutofit fontScale="92500" lnSpcReduction="20000"/>
+            <a:normAutofit fontScale="92500" lnSpcReduction="10000"/>
           </a:bodyPr>
           <a:lstStyle/>
           <a:p>
@@ -8555,29 +8555,40 @@
             <a:pPr lvl="1"/>
             <a:r>
               <a:rPr lang="en-US" dirty="0"/>
-              <a:t>Pandas</a:t>
+              <a:t>Pandas : for </a:t>
+            </a:r>
+            <a:r>
+              <a:rPr lang="en-US" dirty="0" err="1"/>
+              <a:t>dataframe</a:t>
+            </a:r>
+            <a:r>
+              <a:rPr lang="en-US" dirty="0"/>
+              <a:t> analysis</a:t>
             </a:r>
           </a:p>
           <a:p>
             <a:pPr lvl="1"/>
             <a:r>
               <a:rPr lang="en-US" dirty="0" err="1"/>
-              <a:t>Numpy</a:t>
-            </a:r>
-            <a:endParaRPr lang="en-US" dirty="0"/>
+              <a:t>Scikit</a:t>
+            </a:r>
+            <a:r>
+              <a:rPr lang="en-US" dirty="0"/>
+              <a:t>-learn : for machine learning</a:t>
+            </a:r>
           </a:p>
           <a:p>
             <a:pPr lvl="1"/>
             <a:r>
               <a:rPr lang="en-US" dirty="0"/>
-              <a:t>Matplotlib</a:t>
+              <a:t>Matplotlib: for visualization</a:t>
             </a:r>
           </a:p>
           <a:p>
             <a:pPr lvl="1"/>
             <a:r>
               <a:rPr lang="en-US" dirty="0"/>
-              <a:t>Seaborn </a:t>
+              <a:t>Seaborn: for visualization</a:t>
             </a:r>
           </a:p>
           <a:p>
@@ -8586,18 +8597,15 @@
               <a:rPr lang="en-US" dirty="0" err="1"/>
               <a:t>Plotly</a:t>
             </a:r>
+            <a:r>
+              <a:rPr lang="en-US" dirty="0"/>
+              <a:t>: </a:t>
+            </a:r>
+            <a:r>
+              <a:rPr lang="en-US"/>
+              <a:t>for visualization</a:t>
+            </a:r>
             <a:endParaRPr lang="en-US" dirty="0"/>
-          </a:p>
-          <a:p>
-            <a:pPr lvl="1"/>
-            <a:r>
-              <a:rPr lang="en-US" dirty="0" err="1"/>
-              <a:t>Scikit</a:t>
-            </a:r>
-            <a:r>
-              <a:rPr lang="en-US" dirty="0"/>
-              <a:t>-learn</a:t>
-            </a:r>
           </a:p>
           <a:p>
             <a:r>
